--- a/온종일_돌봄/3주차/정훈_산출물_3주차.pptx
+++ b/온종일_돌봄/3주차/정훈_산출물_3주차.pptx
@@ -211,7 +211,7 @@
           <a:p>
             <a:fld id="{835BD64F-0B46-449C-90F1-025A8B9E3587}" type="datetimeFigureOut">
               <a:rPr lang="ko-KR" altLang="en-US" smtClean="0"/>
-              <a:t>2021-04-20</a:t>
+              <a:t>2021-04-21</a:t>
             </a:fld>
             <a:endParaRPr lang="ko-KR" altLang="en-US"/>
           </a:p>
@@ -1368,7 +1368,7 @@
           <a:p>
             <a:fld id="{19506CC5-6AAD-4562-AE11-D0DE7CED9DC0}" type="datetimeFigureOut">
               <a:rPr lang="ko-KR" altLang="en-US" smtClean="0"/>
-              <a:t>2021-04-20</a:t>
+              <a:t>2021-04-21</a:t>
             </a:fld>
             <a:endParaRPr lang="ko-KR" altLang="en-US"/>
           </a:p>
@@ -1566,7 +1566,7 @@
           <a:p>
             <a:fld id="{19506CC5-6AAD-4562-AE11-D0DE7CED9DC0}" type="datetimeFigureOut">
               <a:rPr lang="ko-KR" altLang="en-US" smtClean="0"/>
-              <a:t>2021-04-20</a:t>
+              <a:t>2021-04-21</a:t>
             </a:fld>
             <a:endParaRPr lang="ko-KR" altLang="en-US"/>
           </a:p>
@@ -1774,7 +1774,7 @@
           <a:p>
             <a:fld id="{19506CC5-6AAD-4562-AE11-D0DE7CED9DC0}" type="datetimeFigureOut">
               <a:rPr lang="ko-KR" altLang="en-US" smtClean="0"/>
-              <a:t>2021-04-20</a:t>
+              <a:t>2021-04-21</a:t>
             </a:fld>
             <a:endParaRPr lang="ko-KR" altLang="en-US"/>
           </a:p>
@@ -2664,7 +2664,7 @@
           <a:p>
             <a:fld id="{19506CC5-6AAD-4562-AE11-D0DE7CED9DC0}" type="datetimeFigureOut">
               <a:rPr lang="ko-KR" altLang="en-US" smtClean="0"/>
-              <a:t>2021-04-20</a:t>
+              <a:t>2021-04-21</a:t>
             </a:fld>
             <a:endParaRPr lang="ko-KR" altLang="en-US"/>
           </a:p>
@@ -2939,7 +2939,7 @@
           <a:p>
             <a:fld id="{19506CC5-6AAD-4562-AE11-D0DE7CED9DC0}" type="datetimeFigureOut">
               <a:rPr lang="ko-KR" altLang="en-US" smtClean="0"/>
-              <a:t>2021-04-20</a:t>
+              <a:t>2021-04-21</a:t>
             </a:fld>
             <a:endParaRPr lang="ko-KR" altLang="en-US"/>
           </a:p>
@@ -3204,7 +3204,7 @@
           <a:p>
             <a:fld id="{19506CC5-6AAD-4562-AE11-D0DE7CED9DC0}" type="datetimeFigureOut">
               <a:rPr lang="ko-KR" altLang="en-US" smtClean="0"/>
-              <a:t>2021-04-20</a:t>
+              <a:t>2021-04-21</a:t>
             </a:fld>
             <a:endParaRPr lang="ko-KR" altLang="en-US"/>
           </a:p>
@@ -3616,7 +3616,7 @@
           <a:p>
             <a:fld id="{19506CC5-6AAD-4562-AE11-D0DE7CED9DC0}" type="datetimeFigureOut">
               <a:rPr lang="ko-KR" altLang="en-US" smtClean="0"/>
-              <a:t>2021-04-20</a:t>
+              <a:t>2021-04-21</a:t>
             </a:fld>
             <a:endParaRPr lang="ko-KR" altLang="en-US"/>
           </a:p>
@@ -3757,7 +3757,7 @@
           <a:p>
             <a:fld id="{19506CC5-6AAD-4562-AE11-D0DE7CED9DC0}" type="datetimeFigureOut">
               <a:rPr lang="ko-KR" altLang="en-US" smtClean="0"/>
-              <a:t>2021-04-20</a:t>
+              <a:t>2021-04-21</a:t>
             </a:fld>
             <a:endParaRPr lang="ko-KR" altLang="en-US"/>
           </a:p>
@@ -3870,7 +3870,7 @@
           <a:p>
             <a:fld id="{19506CC5-6AAD-4562-AE11-D0DE7CED9DC0}" type="datetimeFigureOut">
               <a:rPr lang="ko-KR" altLang="en-US" smtClean="0"/>
-              <a:t>2021-04-20</a:t>
+              <a:t>2021-04-21</a:t>
             </a:fld>
             <a:endParaRPr lang="ko-KR" altLang="en-US"/>
           </a:p>
@@ -4181,7 +4181,7 @@
           <a:p>
             <a:fld id="{19506CC5-6AAD-4562-AE11-D0DE7CED9DC0}" type="datetimeFigureOut">
               <a:rPr lang="ko-KR" altLang="en-US" smtClean="0"/>
-              <a:t>2021-04-20</a:t>
+              <a:t>2021-04-21</a:t>
             </a:fld>
             <a:endParaRPr lang="ko-KR" altLang="en-US"/>
           </a:p>
@@ -4469,7 +4469,7 @@
           <a:p>
             <a:fld id="{19506CC5-6AAD-4562-AE11-D0DE7CED9DC0}" type="datetimeFigureOut">
               <a:rPr lang="ko-KR" altLang="en-US" smtClean="0"/>
-              <a:t>2021-04-20</a:t>
+              <a:t>2021-04-21</a:t>
             </a:fld>
             <a:endParaRPr lang="ko-KR" altLang="en-US"/>
           </a:p>
@@ -4710,7 +4710,7 @@
           <a:p>
             <a:fld id="{19506CC5-6AAD-4562-AE11-D0DE7CED9DC0}" type="datetimeFigureOut">
               <a:rPr lang="ko-KR" altLang="en-US" smtClean="0"/>
-              <a:t>2021-04-20</a:t>
+              <a:t>2021-04-21</a:t>
             </a:fld>
             <a:endParaRPr lang="ko-KR" altLang="en-US"/>
           </a:p>
@@ -5145,7 +5145,7 @@
                 <a16:creationId xmlns:a16="http://schemas.microsoft.com/office/drawing/2014/main" id="{A8DB9CD9-59B1-4D73-BC4C-98796A48EF9B}"/>
               </a:ext>
               <a:ext uri="{C183D7F6-B498-43B3-948B-1728B52AA6E4}">
-                <adec:decorative xmlns:adec="http://schemas.microsoft.com/office/drawing/2017/decorative" xmlns="" val="1"/>
+                <adec:decorative xmlns="" xmlns:adec="http://schemas.microsoft.com/office/drawing/2017/decorative" val="1"/>
               </a:ext>
             </a:extLst>
           </p:cNvPr>
@@ -5205,7 +5205,7 @@
                 <a16:creationId xmlns:a16="http://schemas.microsoft.com/office/drawing/2014/main" id="{8874A6A9-41FF-4E33-AFA8-F9F81436A59E}"/>
               </a:ext>
               <a:ext uri="{C183D7F6-B498-43B3-948B-1728B52AA6E4}">
-                <adec:decorative xmlns:adec="http://schemas.microsoft.com/office/drawing/2017/decorative" xmlns="" val="1"/>
+                <adec:decorative xmlns="" xmlns:adec="http://schemas.microsoft.com/office/drawing/2017/decorative" val="1"/>
               </a:ext>
             </a:extLst>
           </p:cNvPr>
@@ -5281,7 +5281,7 @@
                 <a16:creationId xmlns:a16="http://schemas.microsoft.com/office/drawing/2014/main" id="{721D730E-1F97-4071-B143-B05E6D2599BC}"/>
               </a:ext>
               <a:ext uri="{C183D7F6-B498-43B3-948B-1728B52AA6E4}">
-                <adec:decorative xmlns:adec="http://schemas.microsoft.com/office/drawing/2017/decorative" xmlns="" val="1"/>
+                <adec:decorative xmlns="" xmlns:adec="http://schemas.microsoft.com/office/drawing/2017/decorative" val="1"/>
               </a:ext>
             </a:extLst>
           </p:cNvPr>
@@ -5312,7 +5312,7 @@
                   <a16:creationId xmlns:a16="http://schemas.microsoft.com/office/drawing/2014/main" id="{B3849C6A-9EE5-4604-8EAE-DD4796B79D8E}"/>
                 </a:ext>
                 <a:ext uri="{C183D7F6-B498-43B3-948B-1728B52AA6E4}">
-                  <adec:decorative xmlns:adec="http://schemas.microsoft.com/office/drawing/2017/decorative" xmlns="" val="1"/>
+                  <adec:decorative xmlns="" xmlns:adec="http://schemas.microsoft.com/office/drawing/2017/decorative" val="1"/>
                 </a:ext>
               </a:extLst>
             </p:cNvPr>
@@ -6067,7 +6067,7 @@
                   <a16:creationId xmlns:a16="http://schemas.microsoft.com/office/drawing/2014/main" id="{308677BE-069B-4A4D-8732-E26B6EF5671A}"/>
                 </a:ext>
                 <a:ext uri="{C183D7F6-B498-43B3-948B-1728B52AA6E4}">
-                  <adec:decorative xmlns:adec="http://schemas.microsoft.com/office/drawing/2017/decorative" xmlns="" val="1"/>
+                  <adec:decorative xmlns="" xmlns:adec="http://schemas.microsoft.com/office/drawing/2017/decorative" val="1"/>
                 </a:ext>
               </a:extLst>
             </p:cNvPr>
@@ -6435,7 +6435,7 @@
                   <a16:creationId xmlns:a16="http://schemas.microsoft.com/office/drawing/2014/main" id="{9A9A575B-DD07-4388-963B-0AF3FDDCF3C0}"/>
                 </a:ext>
                 <a:ext uri="{C183D7F6-B498-43B3-948B-1728B52AA6E4}">
-                  <adec:decorative xmlns:adec="http://schemas.microsoft.com/office/drawing/2017/decorative" xmlns="" val="1"/>
+                  <adec:decorative xmlns="" xmlns:adec="http://schemas.microsoft.com/office/drawing/2017/decorative" val="1"/>
                 </a:ext>
               </a:extLst>
             </p:cNvPr>
@@ -6818,7 +6818,7 @@
                   <a16:creationId xmlns:a16="http://schemas.microsoft.com/office/drawing/2014/main" id="{D55285E4-21EB-4EC1-AB8E-36E881E89927}"/>
                 </a:ext>
                 <a:ext uri="{C183D7F6-B498-43B3-948B-1728B52AA6E4}">
-                  <adec:decorative xmlns:adec="http://schemas.microsoft.com/office/drawing/2017/decorative" xmlns="" val="1"/>
+                  <adec:decorative xmlns="" xmlns:adec="http://schemas.microsoft.com/office/drawing/2017/decorative" val="1"/>
                 </a:ext>
               </a:extLst>
             </p:cNvPr>
@@ -7709,7 +7709,7 @@
                   <a16:creationId xmlns:a16="http://schemas.microsoft.com/office/drawing/2014/main" id="{6A0C77B5-3FAA-4D4F-9555-89D751608873}"/>
                 </a:ext>
                 <a:ext uri="{C183D7F6-B498-43B3-948B-1728B52AA6E4}">
-                  <adec:decorative xmlns:adec="http://schemas.microsoft.com/office/drawing/2017/decorative" xmlns="" val="1"/>
+                  <adec:decorative xmlns="" xmlns:adec="http://schemas.microsoft.com/office/drawing/2017/decorative" val="1"/>
                 </a:ext>
               </a:extLst>
             </p:cNvPr>
@@ -8894,7 +8894,7 @@
                   <a16:creationId xmlns:a16="http://schemas.microsoft.com/office/drawing/2014/main" id="{5F0C96D1-A8B7-4C8E-9997-D823FD1591F9}"/>
                 </a:ext>
                 <a:ext uri="{C183D7F6-B498-43B3-948B-1728B52AA6E4}">
-                  <adec:decorative xmlns:adec="http://schemas.microsoft.com/office/drawing/2017/decorative" xmlns="" val="1"/>
+                  <adec:decorative xmlns="" xmlns:adec="http://schemas.microsoft.com/office/drawing/2017/decorative" val="1"/>
                 </a:ext>
               </a:extLst>
             </p:cNvPr>
@@ -10995,7 +10995,7 @@
                   <a16:creationId xmlns:a16="http://schemas.microsoft.com/office/drawing/2014/main" id="{DA46556D-445B-4CD0-87A0-02A30BD1B152}"/>
                 </a:ext>
                 <a:ext uri="{C183D7F6-B498-43B3-948B-1728B52AA6E4}">
-                  <adec:decorative xmlns:adec="http://schemas.microsoft.com/office/drawing/2017/decorative" xmlns="" val="1"/>
+                  <adec:decorative xmlns="" xmlns:adec="http://schemas.microsoft.com/office/drawing/2017/decorative" val="1"/>
                 </a:ext>
               </a:extLst>
             </p:cNvPr>
@@ -13003,7 +13003,7 @@
                 <a16:creationId xmlns:a16="http://schemas.microsoft.com/office/drawing/2014/main" id="{A8DB9CD9-59B1-4D73-BC4C-98796A48EF9B}"/>
               </a:ext>
               <a:ext uri="{C183D7F6-B498-43B3-948B-1728B52AA6E4}">
-                <adec:decorative xmlns:adec="http://schemas.microsoft.com/office/drawing/2017/decorative" xmlns="" val="1"/>
+                <adec:decorative xmlns="" xmlns:adec="http://schemas.microsoft.com/office/drawing/2017/decorative" val="1"/>
               </a:ext>
             </a:extLst>
           </p:cNvPr>
@@ -13063,7 +13063,7 @@
                 <a16:creationId xmlns:a16="http://schemas.microsoft.com/office/drawing/2014/main" id="{8874A6A9-41FF-4E33-AFA8-F9F81436A59E}"/>
               </a:ext>
               <a:ext uri="{C183D7F6-B498-43B3-948B-1728B52AA6E4}">
-                <adec:decorative xmlns:adec="http://schemas.microsoft.com/office/drawing/2017/decorative" xmlns="" val="1"/>
+                <adec:decorative xmlns="" xmlns:adec="http://schemas.microsoft.com/office/drawing/2017/decorative" val="1"/>
               </a:ext>
             </a:extLst>
           </p:cNvPr>
@@ -13139,7 +13139,7 @@
                 <a16:creationId xmlns:a16="http://schemas.microsoft.com/office/drawing/2014/main" id="{721D730E-1F97-4071-B143-B05E6D2599BC}"/>
               </a:ext>
               <a:ext uri="{C183D7F6-B498-43B3-948B-1728B52AA6E4}">
-                <adec:decorative xmlns:adec="http://schemas.microsoft.com/office/drawing/2017/decorative" xmlns="" val="1"/>
+                <adec:decorative xmlns="" xmlns:adec="http://schemas.microsoft.com/office/drawing/2017/decorative" val="1"/>
               </a:ext>
             </a:extLst>
           </p:cNvPr>
@@ -13170,7 +13170,7 @@
                   <a16:creationId xmlns:a16="http://schemas.microsoft.com/office/drawing/2014/main" id="{B3849C6A-9EE5-4604-8EAE-DD4796B79D8E}"/>
                 </a:ext>
                 <a:ext uri="{C183D7F6-B498-43B3-948B-1728B52AA6E4}">
-                  <adec:decorative xmlns:adec="http://schemas.microsoft.com/office/drawing/2017/decorative" xmlns="" val="1"/>
+                  <adec:decorative xmlns="" xmlns:adec="http://schemas.microsoft.com/office/drawing/2017/decorative" val="1"/>
                 </a:ext>
               </a:extLst>
             </p:cNvPr>
@@ -13925,7 +13925,7 @@
                   <a16:creationId xmlns:a16="http://schemas.microsoft.com/office/drawing/2014/main" id="{308677BE-069B-4A4D-8732-E26B6EF5671A}"/>
                 </a:ext>
                 <a:ext uri="{C183D7F6-B498-43B3-948B-1728B52AA6E4}">
-                  <adec:decorative xmlns:adec="http://schemas.microsoft.com/office/drawing/2017/decorative" xmlns="" val="1"/>
+                  <adec:decorative xmlns="" xmlns:adec="http://schemas.microsoft.com/office/drawing/2017/decorative" val="1"/>
                 </a:ext>
               </a:extLst>
             </p:cNvPr>
@@ -14293,7 +14293,7 @@
                   <a16:creationId xmlns:a16="http://schemas.microsoft.com/office/drawing/2014/main" id="{9A9A575B-DD07-4388-963B-0AF3FDDCF3C0}"/>
                 </a:ext>
                 <a:ext uri="{C183D7F6-B498-43B3-948B-1728B52AA6E4}">
-                  <adec:decorative xmlns:adec="http://schemas.microsoft.com/office/drawing/2017/decorative" xmlns="" val="1"/>
+                  <adec:decorative xmlns="" xmlns:adec="http://schemas.microsoft.com/office/drawing/2017/decorative" val="1"/>
                 </a:ext>
               </a:extLst>
             </p:cNvPr>
@@ -14676,7 +14676,7 @@
                   <a16:creationId xmlns:a16="http://schemas.microsoft.com/office/drawing/2014/main" id="{D55285E4-21EB-4EC1-AB8E-36E881E89927}"/>
                 </a:ext>
                 <a:ext uri="{C183D7F6-B498-43B3-948B-1728B52AA6E4}">
-                  <adec:decorative xmlns:adec="http://schemas.microsoft.com/office/drawing/2017/decorative" xmlns="" val="1"/>
+                  <adec:decorative xmlns="" xmlns:adec="http://schemas.microsoft.com/office/drawing/2017/decorative" val="1"/>
                 </a:ext>
               </a:extLst>
             </p:cNvPr>
@@ -15567,7 +15567,7 @@
                   <a16:creationId xmlns:a16="http://schemas.microsoft.com/office/drawing/2014/main" id="{6A0C77B5-3FAA-4D4F-9555-89D751608873}"/>
                 </a:ext>
                 <a:ext uri="{C183D7F6-B498-43B3-948B-1728B52AA6E4}">
-                  <adec:decorative xmlns:adec="http://schemas.microsoft.com/office/drawing/2017/decorative" xmlns="" val="1"/>
+                  <adec:decorative xmlns="" xmlns:adec="http://schemas.microsoft.com/office/drawing/2017/decorative" val="1"/>
                 </a:ext>
               </a:extLst>
             </p:cNvPr>
@@ -16752,7 +16752,7 @@
                   <a16:creationId xmlns:a16="http://schemas.microsoft.com/office/drawing/2014/main" id="{5F0C96D1-A8B7-4C8E-9997-D823FD1591F9}"/>
                 </a:ext>
                 <a:ext uri="{C183D7F6-B498-43B3-948B-1728B52AA6E4}">
-                  <adec:decorative xmlns:adec="http://schemas.microsoft.com/office/drawing/2017/decorative" xmlns="" val="1"/>
+                  <adec:decorative xmlns="" xmlns:adec="http://schemas.microsoft.com/office/drawing/2017/decorative" val="1"/>
                 </a:ext>
               </a:extLst>
             </p:cNvPr>
@@ -18853,7 +18853,7 @@
                   <a16:creationId xmlns:a16="http://schemas.microsoft.com/office/drawing/2014/main" id="{DA46556D-445B-4CD0-87A0-02A30BD1B152}"/>
                 </a:ext>
                 <a:ext uri="{C183D7F6-B498-43B3-948B-1728B52AA6E4}">
-                  <adec:decorative xmlns:adec="http://schemas.microsoft.com/office/drawing/2017/decorative" xmlns="" val="1"/>
+                  <adec:decorative xmlns="" xmlns:adec="http://schemas.microsoft.com/office/drawing/2017/decorative" val="1"/>
                 </a:ext>
               </a:extLst>
             </p:cNvPr>
@@ -22324,7 +22324,7 @@
                 <a16:creationId xmlns:a16="http://schemas.microsoft.com/office/drawing/2014/main" id="{FA3C7DEA-BCC2-4295-8850-147993296189}"/>
               </a:ext>
               <a:ext uri="{C183D7F6-B498-43B3-948B-1728B52AA6E4}">
-                <adec:decorative xmlns:adec="http://schemas.microsoft.com/office/drawing/2017/decorative" xmlns="" val="1"/>
+                <adec:decorative xmlns="" xmlns:adec="http://schemas.microsoft.com/office/drawing/2017/decorative" val="1"/>
               </a:ext>
             </a:extLst>
           </p:cNvPr>
@@ -22384,7 +22384,7 @@
                 <a16:creationId xmlns:a16="http://schemas.microsoft.com/office/drawing/2014/main" id="{C289949D-B9F6-468A-86FE-2694DC5AE773}"/>
               </a:ext>
               <a:ext uri="{C183D7F6-B498-43B3-948B-1728B52AA6E4}">
-                <adec:decorative xmlns:adec="http://schemas.microsoft.com/office/drawing/2017/decorative" xmlns="" val="1"/>
+                <adec:decorative xmlns="" xmlns:adec="http://schemas.microsoft.com/office/drawing/2017/decorative" val="1"/>
               </a:ext>
             </a:extLst>
           </p:cNvPr>
@@ -22447,7 +22447,7 @@
                 <a16:creationId xmlns:a16="http://schemas.microsoft.com/office/drawing/2014/main" id="{E4DF0958-0C87-4C28-9554-2FADC788C2B1}"/>
               </a:ext>
               <a:ext uri="{C183D7F6-B498-43B3-948B-1728B52AA6E4}">
-                <adec:decorative xmlns:adec="http://schemas.microsoft.com/office/drawing/2017/decorative" xmlns="" val="1"/>
+                <adec:decorative xmlns="" xmlns:adec="http://schemas.microsoft.com/office/drawing/2017/decorative" val="1"/>
               </a:ext>
             </a:extLst>
           </p:cNvPr>
@@ -22483,7 +22483,7 @@
                   <a16:creationId xmlns:a16="http://schemas.microsoft.com/office/drawing/2014/main" id="{DEC53B48-7B73-49D1-A6FD-9DBF5141EA75}"/>
                 </a:ext>
                 <a:ext uri="{C183D7F6-B498-43B3-948B-1728B52AA6E4}">
-                  <adec:decorative xmlns:adec="http://schemas.microsoft.com/office/drawing/2017/decorative" xmlns="" val="1"/>
+                  <adec:decorative xmlns="" xmlns:adec="http://schemas.microsoft.com/office/drawing/2017/decorative" val="1"/>
                 </a:ext>
               </a:extLst>
             </p:cNvPr>
@@ -23145,7 +23145,7 @@
                   <a16:creationId xmlns:a16="http://schemas.microsoft.com/office/drawing/2014/main" id="{7DEDDC41-2C98-4AF1-A0EA-AEEC34827C23}"/>
                 </a:ext>
                 <a:ext uri="{C183D7F6-B498-43B3-948B-1728B52AA6E4}">
-                  <adec:decorative xmlns:adec="http://schemas.microsoft.com/office/drawing/2017/decorative" xmlns="" val="1"/>
+                  <adec:decorative xmlns="" xmlns:adec="http://schemas.microsoft.com/office/drawing/2017/decorative" val="1"/>
                 </a:ext>
               </a:extLst>
             </p:cNvPr>
@@ -23861,7 +23861,7 @@
                   <a16:creationId xmlns:a16="http://schemas.microsoft.com/office/drawing/2014/main" id="{D2208F20-F93C-4530-8370-FC7818BABB30}"/>
                 </a:ext>
                 <a:ext uri="{C183D7F6-B498-43B3-948B-1728B52AA6E4}">
-                  <adec:decorative xmlns:adec="http://schemas.microsoft.com/office/drawing/2017/decorative" xmlns="" val="1"/>
+                  <adec:decorative xmlns="" xmlns:adec="http://schemas.microsoft.com/office/drawing/2017/decorative" val="1"/>
                 </a:ext>
               </a:extLst>
             </p:cNvPr>
@@ -24083,7 +24083,7 @@
                   <a16:creationId xmlns:a16="http://schemas.microsoft.com/office/drawing/2014/main" id="{E52F51E0-B50B-43EA-B6AC-C16BD29C3EDD}"/>
                 </a:ext>
                 <a:ext uri="{C183D7F6-B498-43B3-948B-1728B52AA6E4}">
-                  <adec:decorative xmlns:adec="http://schemas.microsoft.com/office/drawing/2017/decorative" xmlns="" val="1"/>
+                  <adec:decorative xmlns="" xmlns:adec="http://schemas.microsoft.com/office/drawing/2017/decorative" val="1"/>
                 </a:ext>
               </a:extLst>
             </p:cNvPr>
@@ -27407,7 +27407,7 @@
                 <a16:creationId xmlns:a16="http://schemas.microsoft.com/office/drawing/2014/main" id="{4BC99CB9-DDAD-44A2-8A1C-E3AF4E72DF5C}"/>
               </a:ext>
               <a:ext uri="{C183D7F6-B498-43B3-948B-1728B52AA6E4}">
-                <adec:decorative xmlns:adec="http://schemas.microsoft.com/office/drawing/2017/decorative" xmlns="" val="1"/>
+                <adec:decorative xmlns="" xmlns:adec="http://schemas.microsoft.com/office/drawing/2017/decorative" val="1"/>
               </a:ext>
             </a:extLst>
           </p:cNvPr>
@@ -27467,7 +27467,7 @@
                 <a16:creationId xmlns:a16="http://schemas.microsoft.com/office/drawing/2014/main" id="{64053CBF-3932-45FF-8285-EE5146085F3A}"/>
               </a:ext>
               <a:ext uri="{C183D7F6-B498-43B3-948B-1728B52AA6E4}">
-                <adec:decorative xmlns:adec="http://schemas.microsoft.com/office/drawing/2017/decorative" xmlns="" val="1"/>
+                <adec:decorative xmlns="" xmlns:adec="http://schemas.microsoft.com/office/drawing/2017/decorative" val="1"/>
               </a:ext>
             </a:extLst>
           </p:cNvPr>
@@ -27543,7 +27543,7 @@
                 <a16:creationId xmlns:a16="http://schemas.microsoft.com/office/drawing/2014/main" id="{2E751C04-BEA6-446B-A678-9C74819EBD4C}"/>
               </a:ext>
               <a:ext uri="{C183D7F6-B498-43B3-948B-1728B52AA6E4}">
-                <adec:decorative xmlns:adec="http://schemas.microsoft.com/office/drawing/2017/decorative" xmlns="" val="1"/>
+                <adec:decorative xmlns="" xmlns:adec="http://schemas.microsoft.com/office/drawing/2017/decorative" val="1"/>
               </a:ext>
             </a:extLst>
           </p:cNvPr>
@@ -27579,7 +27579,7 @@
                   <a16:creationId xmlns:a16="http://schemas.microsoft.com/office/drawing/2014/main" id="{2625A013-D9BE-43C4-AF21-6F2B003EFBEF}"/>
                 </a:ext>
                 <a:ext uri="{C183D7F6-B498-43B3-948B-1728B52AA6E4}">
-                  <adec:decorative xmlns:adec="http://schemas.microsoft.com/office/drawing/2017/decorative" xmlns="" val="1"/>
+                  <adec:decorative xmlns="" xmlns:adec="http://schemas.microsoft.com/office/drawing/2017/decorative" val="1"/>
                 </a:ext>
               </a:extLst>
             </p:cNvPr>
@@ -28217,7 +28217,7 @@
                   <a16:creationId xmlns:a16="http://schemas.microsoft.com/office/drawing/2014/main" id="{F7875715-EC2E-457F-851D-F6C817685FEC}"/>
                 </a:ext>
                 <a:ext uri="{C183D7F6-B498-43B3-948B-1728B52AA6E4}">
-                  <adec:decorative xmlns:adec="http://schemas.microsoft.com/office/drawing/2017/decorative" xmlns="" val="1"/>
+                  <adec:decorative xmlns="" xmlns:adec="http://schemas.microsoft.com/office/drawing/2017/decorative" val="1"/>
                 </a:ext>
               </a:extLst>
             </p:cNvPr>
@@ -28909,7 +28909,7 @@
                   <a16:creationId xmlns:a16="http://schemas.microsoft.com/office/drawing/2014/main" id="{F7E41CC6-0C83-40EE-80BB-79394D9E9B2F}"/>
                 </a:ext>
                 <a:ext uri="{C183D7F6-B498-43B3-948B-1728B52AA6E4}">
-                  <adec:decorative xmlns:adec="http://schemas.microsoft.com/office/drawing/2017/decorative" xmlns="" val="1"/>
+                  <adec:decorative xmlns="" xmlns:adec="http://schemas.microsoft.com/office/drawing/2017/decorative" val="1"/>
                 </a:ext>
               </a:extLst>
             </p:cNvPr>
@@ -29107,7 +29107,7 @@
                   <a16:creationId xmlns:a16="http://schemas.microsoft.com/office/drawing/2014/main" id="{00603498-5DFE-4D26-BFB5-C9269C9BDB0A}"/>
                 </a:ext>
                 <a:ext uri="{C183D7F6-B498-43B3-948B-1728B52AA6E4}">
-                  <adec:decorative xmlns:adec="http://schemas.microsoft.com/office/drawing/2017/decorative" xmlns="" val="1"/>
+                  <adec:decorative xmlns="" xmlns:adec="http://schemas.microsoft.com/office/drawing/2017/decorative" val="1"/>
                 </a:ext>
               </a:extLst>
             </p:cNvPr>
@@ -29500,7 +29500,7 @@
                 <a16:creationId xmlns:a16="http://schemas.microsoft.com/office/drawing/2014/main" id="{B63ACBA3-DEFD-4C6D-BBA0-64468FA99C2D}"/>
               </a:ext>
               <a:ext uri="{C183D7F6-B498-43B3-948B-1728B52AA6E4}">
-                <adec:decorative xmlns:adec="http://schemas.microsoft.com/office/drawing/2017/decorative" xmlns="" val="1"/>
+                <adec:decorative xmlns="" xmlns:adec="http://schemas.microsoft.com/office/drawing/2017/decorative" val="1"/>
               </a:ext>
             </a:extLst>
           </p:cNvPr>
@@ -29536,7 +29536,7 @@
                   <a16:creationId xmlns:a16="http://schemas.microsoft.com/office/drawing/2014/main" id="{62F7819D-2B89-4D80-A1C3-8B318116BAAD}"/>
                 </a:ext>
                 <a:ext uri="{C183D7F6-B498-43B3-948B-1728B52AA6E4}">
-                  <adec:decorative xmlns:adec="http://schemas.microsoft.com/office/drawing/2017/decorative" xmlns="" val="1"/>
+                  <adec:decorative xmlns="" xmlns:adec="http://schemas.microsoft.com/office/drawing/2017/decorative" val="1"/>
                 </a:ext>
               </a:extLst>
             </p:cNvPr>
@@ -29910,7 +29910,7 @@
                   <a16:creationId xmlns:a16="http://schemas.microsoft.com/office/drawing/2014/main" id="{B7065990-2350-41B3-858B-20EF8744F26C}"/>
                 </a:ext>
                 <a:ext uri="{C183D7F6-B498-43B3-948B-1728B52AA6E4}">
-                  <adec:decorative xmlns:adec="http://schemas.microsoft.com/office/drawing/2017/decorative" xmlns="" val="1"/>
+                  <adec:decorative xmlns="" xmlns:adec="http://schemas.microsoft.com/office/drawing/2017/decorative" val="1"/>
                 </a:ext>
               </a:extLst>
             </p:cNvPr>
@@ -30078,7 +30078,7 @@
                   <a16:creationId xmlns:a16="http://schemas.microsoft.com/office/drawing/2014/main" id="{58DA7EC7-CAA0-4665-AA29-BFBA806ECAB2}"/>
                 </a:ext>
                 <a:ext uri="{C183D7F6-B498-43B3-948B-1728B52AA6E4}">
-                  <adec:decorative xmlns:adec="http://schemas.microsoft.com/office/drawing/2017/decorative" xmlns="" val="1"/>
+                  <adec:decorative xmlns="" xmlns:adec="http://schemas.microsoft.com/office/drawing/2017/decorative" val="1"/>
                 </a:ext>
               </a:extLst>
             </p:cNvPr>
@@ -30308,7 +30308,7 @@
                   <a16:creationId xmlns:a16="http://schemas.microsoft.com/office/drawing/2014/main" id="{B1132A14-489F-4CED-B626-2A1711C987C2}"/>
                 </a:ext>
                 <a:ext uri="{C183D7F6-B498-43B3-948B-1728B52AA6E4}">
-                  <adec:decorative xmlns:adec="http://schemas.microsoft.com/office/drawing/2017/decorative" xmlns="" val="1"/>
+                  <adec:decorative xmlns="" xmlns:adec="http://schemas.microsoft.com/office/drawing/2017/decorative" val="1"/>
                 </a:ext>
               </a:extLst>
             </p:cNvPr>
@@ -30805,19 +30805,7 @@
                 <a:cs typeface="Source Sans Pro"/>
                 <a:sym typeface="Source Sans Pro"/>
               </a:rPr>
-              <a:t>회원은 </a:t>
-            </a:r>
-            <a:r>
-              <a:rPr lang="ko-KR" altLang="en-US" sz="2000" b="1" dirty="0" smtClean="0">
-                <a:solidFill>
-                  <a:srgbClr val="2F3848"/>
-                </a:solidFill>
-                <a:latin typeface="Source Sans Pro"/>
-                <a:ea typeface="Source Sans Pro"/>
-                <a:cs typeface="Source Sans Pro"/>
-                <a:sym typeface="Source Sans Pro"/>
-              </a:rPr>
-              <a:t>자녀의 </a:t>
+              <a:t>회원은 자녀의 </a:t>
             </a:r>
             <a:r>
               <a:rPr lang="ko-KR" altLang="en-US" sz="2000" b="1" dirty="0">
@@ -30985,17 +30973,6 @@
               </a:rPr>
               <a:t>신청 관리</a:t>
             </a:r>
-            <a:endParaRPr lang="ko-KR" altLang="en-US" sz="2800" b="1" dirty="0" smtClean="0">
-              <a:solidFill>
-                <a:schemeClr val="accent2">
-                  <a:lumMod val="50000"/>
-                </a:schemeClr>
-              </a:solidFill>
-              <a:latin typeface="Source Sans Pro"/>
-              <a:ea typeface="Source Sans Pro"/>
-              <a:cs typeface="Source Sans Pro"/>
-              <a:sym typeface="Source Sans Pro"/>
-            </a:endParaRPr>
           </a:p>
           <a:p>
             <a:pPr>
@@ -31961,19 +31938,7 @@
                 <a:cs typeface="Source Sans Pro"/>
                 <a:sym typeface="Source Sans Pro"/>
               </a:rPr>
-              <a:t>관리자는 </a:t>
-            </a:r>
-            <a:r>
-              <a:rPr lang="ko-KR" altLang="en-US" sz="2000" b="1" dirty="0" smtClean="0">
-                <a:solidFill>
-                  <a:srgbClr val="2F3848"/>
-                </a:solidFill>
-                <a:latin typeface="Source Sans Pro"/>
-                <a:ea typeface="Source Sans Pro"/>
-                <a:cs typeface="Source Sans Pro"/>
-                <a:sym typeface="Source Sans Pro"/>
-              </a:rPr>
-              <a:t>기관에 대한 정보를 등록</a:t>
+              <a:t>관리자는 기관에 대한 정보를 등록</a:t>
             </a:r>
             <a:r>
               <a:rPr lang="en-US" altLang="ko-KR" sz="2000" b="1" dirty="0" smtClean="0">
@@ -32069,7 +32034,19 @@
                 <a:cs typeface="Source Sans Pro"/>
                 <a:sym typeface="Source Sans Pro"/>
               </a:rPr>
-              <a:t>할 수 있다</a:t>
+              <a:t>할 수 </a:t>
+            </a:r>
+            <a:r>
+              <a:rPr lang="ko-KR" altLang="en-US" sz="2000" b="1" dirty="0" smtClean="0">
+                <a:solidFill>
+                  <a:srgbClr val="2F3848"/>
+                </a:solidFill>
+                <a:latin typeface="Source Sans Pro"/>
+                <a:ea typeface="Source Sans Pro"/>
+                <a:cs typeface="Source Sans Pro"/>
+                <a:sym typeface="Source Sans Pro"/>
+              </a:rPr>
+              <a:t>있다</a:t>
             </a:r>
             <a:r>
               <a:rPr lang="en-US" altLang="ko-KR" sz="2000" b="1" dirty="0" smtClean="0">
@@ -32081,8 +32058,17 @@
                 <a:cs typeface="Source Sans Pro"/>
                 <a:sym typeface="Source Sans Pro"/>
               </a:rPr>
-              <a:t>. ?</a:t>
-            </a:r>
+              <a:t>?</a:t>
+            </a:r>
+            <a:endParaRPr lang="en-US" altLang="ko-KR" sz="2000" b="1" dirty="0" smtClean="0">
+              <a:solidFill>
+                <a:srgbClr val="2F3848"/>
+              </a:solidFill>
+              <a:latin typeface="Source Sans Pro"/>
+              <a:ea typeface="Source Sans Pro"/>
+              <a:cs typeface="Source Sans Pro"/>
+              <a:sym typeface="Source Sans Pro"/>
+            </a:endParaRPr>
           </a:p>
           <a:p>
             <a:pPr>
@@ -32150,15 +32136,6 @@
               </a:rPr>
               <a:t>?)</a:t>
             </a:r>
-            <a:endParaRPr lang="en-US" altLang="ko-KR" sz="2000" b="1" dirty="0" smtClean="0">
-              <a:solidFill>
-                <a:srgbClr val="2F3848"/>
-              </a:solidFill>
-              <a:latin typeface="Source Sans Pro"/>
-              <a:ea typeface="Source Sans Pro"/>
-              <a:cs typeface="Source Sans Pro"/>
-              <a:sym typeface="Source Sans Pro"/>
-            </a:endParaRPr>
           </a:p>
           <a:p>
             <a:pPr>
@@ -32238,19 +32215,7 @@
                 <a:cs typeface="Source Sans Pro"/>
                 <a:sym typeface="Source Sans Pro"/>
               </a:rPr>
-              <a:t>관리자는 </a:t>
-            </a:r>
-            <a:r>
-              <a:rPr lang="ko-KR" altLang="en-US" sz="2000" b="1" dirty="0" smtClean="0">
-                <a:solidFill>
-                  <a:srgbClr val="2F3848"/>
-                </a:solidFill>
-                <a:latin typeface="Source Sans Pro"/>
-                <a:ea typeface="Source Sans Pro"/>
-                <a:cs typeface="Source Sans Pro"/>
-                <a:sym typeface="Source Sans Pro"/>
-              </a:rPr>
-              <a:t>기관에 돌봄을 신청한 회원의 자녀 정보를 확인 할 수 있다</a:t>
+              <a:t>관리자는 기관에 돌봄을 신청한 회원의 자녀 정보를 확인 할 수 있다</a:t>
             </a:r>
             <a:r>
               <a:rPr lang="en-US" altLang="ko-KR" sz="2000" b="1" dirty="0" smtClean="0">
@@ -32320,7 +32285,7 @@
               <a:t>나이가 많은 자녀들은 거절 </a:t>
             </a:r>
             <a:r>
-              <a:rPr lang="ko-KR" altLang="en-US" sz="2000" b="1" dirty="0" err="1" smtClean="0">
+              <a:rPr lang="ko-KR" altLang="en-US" sz="2000" b="1" dirty="0" smtClean="0">
                 <a:solidFill>
                   <a:srgbClr val="2F3848"/>
                 </a:solidFill>
@@ -32329,7 +32294,7 @@
                 <a:cs typeface="Source Sans Pro"/>
                 <a:sym typeface="Source Sans Pro"/>
               </a:rPr>
-              <a:t>하기위해서</a:t>
+              <a:t>하기 위해서 </a:t>
             </a:r>
             <a:r>
               <a:rPr lang="en-US" altLang="ko-KR" sz="2000" b="1" dirty="0" smtClean="0">
